--- a/pptx_BIG_DATA_FINAL.pptx
+++ b/pptx_BIG_DATA_FINAL.pptx
@@ -11,8 +11,8 @@
     <p:sldId id="260" r:id="rId5"/>
     <p:sldId id="263" r:id="rId6"/>
     <p:sldId id="264" r:id="rId7"/>
-    <p:sldId id="261" r:id="rId8"/>
-    <p:sldId id="262" r:id="rId9"/>
+    <p:sldId id="262" r:id="rId8"/>
+    <p:sldId id="261" r:id="rId9"/>
   </p:sldIdLst>
   <p:sldSz cx="12192000" cy="6858000"/>
   <p:notesSz cx="6858000" cy="9144000"/>
@@ -111,7 +111,71 @@
       </a:defRPr>
     </a:lvl9pPr>
   </p:defaultTextStyle>
+  <p:extLst>
+    <p:ext uri="{EFAFB233-063F-42B5-8137-9DF3F51BA10A}">
+      <p15:sldGuideLst xmlns:p15="http://schemas.microsoft.com/office/powerpoint/2012/main"/>
+    </p:ext>
+  </p:extLst>
 </p:presentation>
+</file>
+
+<file path=ppt/changesInfos/changesInfo1.xml><?xml version="1.0" encoding="utf-8"?>
+<pc:chgInfo xmlns:a="http://schemas.openxmlformats.org/drawingml/2006/main" xmlns:r="http://schemas.openxmlformats.org/officeDocument/2006/relationships" xmlns:ac="http://schemas.microsoft.com/office/drawing/2013/main/command" xmlns:pc="http://schemas.microsoft.com/office/powerpoint/2013/main/command">
+  <pc:docChgLst>
+    <pc:chgData name="Saadati Fard, Reza" userId="25acf688-aded-4b6f-af4e-29555bb6f857" providerId="ADAL" clId="{F8A1CF0E-5DF1-4C47-9BD6-2950F719D622}"/>
+    <pc:docChg chg="undo custSel modSld sldOrd">
+      <pc:chgData name="Saadati Fard, Reza" userId="25acf688-aded-4b6f-af4e-29555bb6f857" providerId="ADAL" clId="{F8A1CF0E-5DF1-4C47-9BD6-2950F719D622}" dt="2021-11-09T22:55:18.291" v="803" actId="20577"/>
+      <pc:docMkLst>
+        <pc:docMk/>
+      </pc:docMkLst>
+      <pc:sldChg chg="modSp mod ord">
+        <pc:chgData name="Saadati Fard, Reza" userId="25acf688-aded-4b6f-af4e-29555bb6f857" providerId="ADAL" clId="{F8A1CF0E-5DF1-4C47-9BD6-2950F719D622}" dt="2021-11-09T22:46:46.629" v="305" actId="20577"/>
+        <pc:sldMkLst>
+          <pc:docMk/>
+          <pc:sldMk cId="4092545486" sldId="261"/>
+        </pc:sldMkLst>
+        <pc:spChg chg="mod">
+          <ac:chgData name="Saadati Fard, Reza" userId="25acf688-aded-4b6f-af4e-29555bb6f857" providerId="ADAL" clId="{F8A1CF0E-5DF1-4C47-9BD6-2950F719D622}" dt="2021-11-09T22:46:46.629" v="305" actId="20577"/>
+          <ac:spMkLst>
+            <pc:docMk/>
+            <pc:sldMk cId="4092545486" sldId="261"/>
+            <ac:spMk id="3" creationId="{68362372-1706-4E73-864E-73D913FCF702}"/>
+          </ac:spMkLst>
+        </pc:spChg>
+      </pc:sldChg>
+      <pc:sldChg chg="modSp mod">
+        <pc:chgData name="Saadati Fard, Reza" userId="25acf688-aded-4b6f-af4e-29555bb6f857" providerId="ADAL" clId="{F8A1CF0E-5DF1-4C47-9BD6-2950F719D622}" dt="2021-11-09T22:55:18.291" v="803" actId="20577"/>
+        <pc:sldMkLst>
+          <pc:docMk/>
+          <pc:sldMk cId="3707960699" sldId="262"/>
+        </pc:sldMkLst>
+        <pc:spChg chg="mod">
+          <ac:chgData name="Saadati Fard, Reza" userId="25acf688-aded-4b6f-af4e-29555bb6f857" providerId="ADAL" clId="{F8A1CF0E-5DF1-4C47-9BD6-2950F719D622}" dt="2021-11-09T22:55:18.291" v="803" actId="20577"/>
+          <ac:spMkLst>
+            <pc:docMk/>
+            <pc:sldMk cId="3707960699" sldId="262"/>
+            <ac:spMk id="3" creationId="{6D939226-77F1-40C5-AE4A-81B282862AFA}"/>
+          </ac:spMkLst>
+        </pc:spChg>
+      </pc:sldChg>
+      <pc:sldChg chg="modSp mod">
+        <pc:chgData name="Saadati Fard, Reza" userId="25acf688-aded-4b6f-af4e-29555bb6f857" providerId="ADAL" clId="{F8A1CF0E-5DF1-4C47-9BD6-2950F719D622}" dt="2021-11-09T22:45:35.780" v="220" actId="20577"/>
+        <pc:sldMkLst>
+          <pc:docMk/>
+          <pc:sldMk cId="266200797" sldId="264"/>
+        </pc:sldMkLst>
+        <pc:spChg chg="mod">
+          <ac:chgData name="Saadati Fard, Reza" userId="25acf688-aded-4b6f-af4e-29555bb6f857" providerId="ADAL" clId="{F8A1CF0E-5DF1-4C47-9BD6-2950F719D622}" dt="2021-11-09T22:45:35.780" v="220" actId="20577"/>
+          <ac:spMkLst>
+            <pc:docMk/>
+            <pc:sldMk cId="266200797" sldId="264"/>
+            <ac:spMk id="3" creationId="{4077CEF7-15EC-4F00-A19D-0E55825F5ED7}"/>
+          </ac:spMkLst>
+        </pc:spChg>
+      </pc:sldChg>
+    </pc:docChg>
+  </pc:docChgLst>
+</pc:chgInfo>
 </file>
 
 <file path=ppt/slideLayouts/slideLayout1.xml><?xml version="1.0" encoding="utf-8"?>
@@ -4229,7 +4293,10 @@
           <a:bodyPr/>
           <a:lstStyle/>
           <a:p>
-            <a:endParaRPr lang="en-US"/>
+            <a:r>
+              <a:rPr lang="en-US" dirty="0"/>
+              <a:t>This challenge aims to ensure that the proposed model can only make correct prediction when they truly understand the semantic meaning of question rather than memorization </a:t>
+            </a:r>
           </a:p>
         </p:txBody>
       </p:sp>
@@ -4268,7 +4335,7 @@
           <p:cNvPr id="2" name="Title 1">
             <a:extLst>
               <a:ext uri="{FF2B5EF4-FFF2-40B4-BE49-F238E27FC236}">
-                <a16:creationId xmlns:a16="http://schemas.microsoft.com/office/drawing/2014/main" id="{C6EB3E0A-9B3C-4FBD-9A4A-67177B97FE6E}"/>
+                <a16:creationId xmlns:a16="http://schemas.microsoft.com/office/drawing/2014/main" id="{F7BFA458-9BD9-46D4-9E13-BFB7DB1C3C80}"/>
               </a:ext>
             </a:extLst>
           </p:cNvPr>
@@ -4286,7 +4353,7 @@
           <a:p>
             <a:r>
               <a:rPr lang="en-US" dirty="0"/>
-              <a:t>Method </a:t>
+              <a:t>Evaluation </a:t>
             </a:r>
           </a:p>
         </p:txBody>
@@ -4296,7 +4363,7 @@
           <p:cNvPr id="3" name="Content Placeholder 2">
             <a:extLst>
               <a:ext uri="{FF2B5EF4-FFF2-40B4-BE49-F238E27FC236}">
-                <a16:creationId xmlns:a16="http://schemas.microsoft.com/office/drawing/2014/main" id="{68362372-1706-4E73-864E-73D913FCF702}"/>
+                <a16:creationId xmlns:a16="http://schemas.microsoft.com/office/drawing/2014/main" id="{6D939226-77F1-40C5-AE4A-81B282862AFA}"/>
               </a:ext>
             </a:extLst>
           </p:cNvPr>
@@ -4312,17 +4379,75 @@
           <a:bodyPr/>
           <a:lstStyle/>
           <a:p>
-            <a:r>
+            <a:pPr marL="514350" indent="-514350">
+              <a:buFont typeface="+mj-lt"/>
+              <a:buAutoNum type="arabicPeriod"/>
+            </a:pPr>
+            <a:r>
+              <a:rPr lang="en-US" b="1" dirty="0"/>
+              <a:t>Component Matching</a:t>
+            </a:r>
+            <a:br>
               <a:rPr lang="en-US" dirty="0"/>
-              <a:t>Seq2Seq methods </a:t>
-            </a:r>
+            </a:br>
+            <a:r>
+              <a:rPr lang="en-US" sz="2000" dirty="0"/>
+              <a:t>measuring average exact match between the prediction and the ground truth </a:t>
+            </a:r>
+            <a:br>
+              <a:rPr lang="en-US" dirty="0"/>
+            </a:br>
+            <a:endParaRPr lang="en-US" dirty="0"/>
+          </a:p>
+          <a:p>
+            <a:pPr marL="514350" indent="-514350">
+              <a:buFont typeface="+mj-lt"/>
+              <a:buAutoNum type="arabicPeriod"/>
+            </a:pPr>
+            <a:r>
+              <a:rPr lang="en-US" b="1" dirty="0"/>
+              <a:t>Exact Matching</a:t>
+            </a:r>
+            <a:br>
+              <a:rPr lang="en-US" dirty="0"/>
+            </a:br>
+            <a:r>
+              <a:rPr lang="en-US" sz="2000" dirty="0"/>
+              <a:t>assessing whether the predicted query as a whole is equivalent to the Gold query?</a:t>
+            </a:r>
+            <a:br>
+              <a:rPr lang="en-US" dirty="0"/>
+            </a:br>
+            <a:endParaRPr lang="en-US" dirty="0"/>
+          </a:p>
+          <a:p>
+            <a:pPr marL="514350" indent="-514350">
+              <a:buFont typeface="+mj-lt"/>
+              <a:buAutoNum type="arabicPeriod"/>
+            </a:pPr>
+            <a:r>
+              <a:rPr lang="en-US" b="1" dirty="0"/>
+              <a:t>Execution Accuracy </a:t>
+            </a:r>
+            <a:br>
+              <a:rPr lang="en-US" b="1"/>
+            </a:br>
+            <a:r>
+              <a:rPr lang="en-US" sz="2000"/>
+              <a:t>instead </a:t>
+            </a:r>
+            <a:r>
+              <a:rPr lang="en-US" sz="2000" dirty="0"/>
+              <a:t>of a Gold query&gt; a set of gold values for each question is given&gt; Model need to select them and fill them into right slots in the predicted query </a:t>
+            </a:r>
+            <a:endParaRPr lang="en-US" b="1" dirty="0"/>
           </a:p>
         </p:txBody>
       </p:sp>
     </p:spTree>
     <p:extLst>
       <p:ext uri="{BB962C8B-B14F-4D97-AF65-F5344CB8AC3E}">
-        <p14:creationId xmlns:p14="http://schemas.microsoft.com/office/powerpoint/2010/main" val="4092545486"/>
+        <p14:creationId xmlns:p14="http://schemas.microsoft.com/office/powerpoint/2010/main" val="3707960699"/>
       </p:ext>
     </p:extLst>
   </p:cSld>
@@ -4354,7 +4479,7 @@
           <p:cNvPr id="2" name="Title 1">
             <a:extLst>
               <a:ext uri="{FF2B5EF4-FFF2-40B4-BE49-F238E27FC236}">
-                <a16:creationId xmlns:a16="http://schemas.microsoft.com/office/drawing/2014/main" id="{F7BFA458-9BD9-46D4-9E13-BFB7DB1C3C80}"/>
+                <a16:creationId xmlns:a16="http://schemas.microsoft.com/office/drawing/2014/main" id="{C6EB3E0A-9B3C-4FBD-9A4A-67177B97FE6E}"/>
               </a:ext>
             </a:extLst>
           </p:cNvPr>
@@ -4372,7 +4497,7 @@
           <a:p>
             <a:r>
               <a:rPr lang="en-US" dirty="0"/>
-              <a:t>Evaluation </a:t>
+              <a:t>Method </a:t>
             </a:r>
           </a:p>
         </p:txBody>
@@ -4382,7 +4507,7 @@
           <p:cNvPr id="3" name="Content Placeholder 2">
             <a:extLst>
               <a:ext uri="{FF2B5EF4-FFF2-40B4-BE49-F238E27FC236}">
-                <a16:creationId xmlns:a16="http://schemas.microsoft.com/office/drawing/2014/main" id="{6D939226-77F1-40C5-AE4A-81B282862AFA}"/>
+                <a16:creationId xmlns:a16="http://schemas.microsoft.com/office/drawing/2014/main" id="{68362372-1706-4E73-864E-73D913FCF702}"/>
               </a:ext>
             </a:extLst>
           </p:cNvPr>
@@ -4398,14 +4523,17 @@
           <a:bodyPr/>
           <a:lstStyle/>
           <a:p>
-            <a:endParaRPr lang="en-US"/>
+            <a:r>
+              <a:rPr lang="en-US" dirty="0"/>
+              <a:t>It has been started recently!</a:t>
+            </a:r>
           </a:p>
         </p:txBody>
       </p:sp>
     </p:spTree>
     <p:extLst>
       <p:ext uri="{BB962C8B-B14F-4D97-AF65-F5344CB8AC3E}">
-        <p14:creationId xmlns:p14="http://schemas.microsoft.com/office/powerpoint/2010/main" val="3707960699"/>
+        <p14:creationId xmlns:p14="http://schemas.microsoft.com/office/powerpoint/2010/main" val="4092545486"/>
       </p:ext>
     </p:extLst>
   </p:cSld>
